--- a/LogScannerSystemScript.pptx
+++ b/LogScannerSystemScript.pptx
@@ -23746,13 +23746,17 @@
           <a:p>
             <a:r>
               <a:rPr lang="en-US" sz="1200" dirty="0"/>
-              <a:t>1. Overall Idea:</a:t>
+              <a:t>1. </a:t>
+            </a:r>
+            <a:r>
+              <a:rPr lang="en-US" sz="1200" b="1" dirty="0"/>
+              <a:t>Overall Idea:</a:t>
             </a:r>
           </a:p>
           <a:p>
             <a:r>
               <a:rPr lang="en-US" sz="1200" dirty="0"/>
-              <a:t>- The </a:t>
+              <a:t> The </a:t>
             </a:r>
             <a:r>
               <a:rPr lang="en-US" sz="1200" dirty="0" err="1"/>
@@ -23760,7 +23764,7 @@
             </a:r>
             <a:r>
               <a:rPr lang="en-US" sz="1200" dirty="0"/>
-              <a:t> is a Java program designed to scan a log file for changes and notify recipients via email if specific messages like "fail" or "error" are found.</a:t>
+              <a:t> is a Java program designed to scan a log file for changes and notify recipients via email if specific configured message is found.</a:t>
             </a:r>
           </a:p>
           <a:p>
@@ -23769,25 +23773,41 @@
           <a:p>
             <a:r>
               <a:rPr lang="en-US" sz="1200" dirty="0"/>
-              <a:t>2. Solution Outline:</a:t>
+              <a:t>2. </a:t>
             </a:r>
-          </a:p>
-          <a:p>
+            <a:r>
+              <a:rPr lang="en-US" sz="1200" b="1" dirty="0"/>
+              <a:t>Solution Outline:</a:t>
+            </a:r>
+          </a:p>
+          <a:p>
+            <a:pPr marL="171450" indent="-171450">
+              <a:buFont typeface="Arial" panose="020B0604020202020204" pitchFamily="34" charset="0"/>
+              <a:buChar char="•"/>
+            </a:pPr>
             <a:r>
               <a:rPr lang="en-US" sz="1200" dirty="0"/>
-              <a:t>- The program continuously monitors the log file, checking for modifications at regular intervals.</a:t>
+              <a:t> The program continuously monitors the log file, checking for modifications at regular intervals.</a:t>
             </a:r>
           </a:p>
           <a:p>
+            <a:pPr marL="171450" indent="-171450">
+              <a:buFont typeface="Arial" panose="020B0604020202020204" pitchFamily="34" charset="0"/>
+              <a:buChar char="•"/>
+            </a:pPr>
             <a:r>
               <a:rPr lang="en-US" sz="1200" dirty="0"/>
-              <a:t>- It reads the last portion of the log file to minimize processing time and avoid redundant checks.</a:t>
+              <a:t> It reads the last portion of the log file to minimize processing time and avoid redundant checks.</a:t>
             </a:r>
           </a:p>
           <a:p>
+            <a:pPr marL="171450" indent="-171450">
+              <a:buFont typeface="Arial" panose="020B0604020202020204" pitchFamily="34" charset="0"/>
+              <a:buChar char="•"/>
+            </a:pPr>
             <a:r>
               <a:rPr lang="en-US" sz="1200" dirty="0"/>
-              <a:t>- If the log file has been modified and contains the specified keyword, an email notification is sent.</a:t>
+              <a:t> If the log file has been modified and contains the specified keyword(FAIL, ERROR), an email notification is sent.</a:t>
             </a:r>
           </a:p>
           <a:p>
@@ -23796,13 +23816,21 @@
           <a:p>
             <a:r>
               <a:rPr lang="en-US" sz="1200" dirty="0"/>
-              <a:t>3. Program Modularity:</a:t>
+              <a:t>3. </a:t>
             </a:r>
-          </a:p>
-          <a:p>
+            <a:r>
+              <a:rPr lang="en-US" sz="1200" b="1" dirty="0"/>
+              <a:t>Program Modularity:</a:t>
+            </a:r>
+          </a:p>
+          <a:p>
+            <a:pPr marL="171450" indent="-171450">
+              <a:buFont typeface="Arial" panose="020B0604020202020204" pitchFamily="34" charset="0"/>
+              <a:buChar char="•"/>
+            </a:pPr>
             <a:r>
               <a:rPr lang="en-US" sz="1200" dirty="0"/>
-              <a:t>- The </a:t>
+              <a:t> The </a:t>
             </a:r>
             <a:r>
               <a:rPr lang="en-US" sz="1200" dirty="0" err="1"/>
@@ -23814,9 +23842,13 @@
             </a:r>
           </a:p>
           <a:p>
+            <a:pPr marL="171450" indent="-171450">
+              <a:buFont typeface="Arial" panose="020B0604020202020204" pitchFamily="34" charset="0"/>
+              <a:buChar char="•"/>
+            </a:pPr>
             <a:r>
               <a:rPr lang="en-US" sz="1200" dirty="0"/>
-              <a:t>- It separates the logic for file scanning, keyword matching, and email sending into distinct methods.</a:t>
+              <a:t> It separates the logic for file scanning, keyword matching, and email sending into distinct methods.</a:t>
             </a:r>
           </a:p>
         </p:txBody>
@@ -24015,19 +24047,31 @@
           <a:p>
             <a:r>
               <a:rPr lang="en-US" sz="1200" dirty="0"/>
-              <a:t>4. Configurability and Parametric:</a:t>
+              <a:t>4. </a:t>
             </a:r>
-          </a:p>
-          <a:p>
+            <a:r>
+              <a:rPr lang="en-US" sz="1200" b="1" dirty="0"/>
+              <a:t>Configurability and Parametric:</a:t>
+            </a:r>
+          </a:p>
+          <a:p>
+            <a:pPr marL="171450" indent="-171450">
+              <a:buFont typeface="Arial" panose="020B0604020202020204" pitchFamily="34" charset="0"/>
+              <a:buChar char="•"/>
+            </a:pPr>
             <a:r>
               <a:rPr lang="en-US" sz="1200" dirty="0"/>
-              <a:t>- The program offers configurability through constants like LOG_FILE_PATH, SCAN_INTERVAL_MS, MAX_SCAN_DURATION_MS, and SEARCH_KEYWORD.</a:t>
+              <a:t> The program offers configurability through constants like LOG_FILE_PATH, SCAN_INTERVAL_MS, MAX_SCAN_DURATION_MS, and SEARCH_KEYWORD.</a:t>
             </a:r>
           </a:p>
           <a:p>
+            <a:pPr marL="171450" indent="-171450">
+              <a:buFont typeface="Arial" panose="020B0604020202020204" pitchFamily="34" charset="0"/>
+              <a:buChar char="•"/>
+            </a:pPr>
             <a:r>
               <a:rPr lang="en-US" sz="1200" dirty="0"/>
-              <a:t>- These constants can be adjusted to adapt the program to different log file locations, scan intervals, time limits, and keywords.</a:t>
+              <a:t> These constants can be adjusted to adapt the program to different log file locations, scan intervals, time limits, and keywords.</a:t>
             </a:r>
           </a:p>
           <a:p>
@@ -24036,13 +24080,17 @@
           <a:p>
             <a:r>
               <a:rPr lang="en-US" sz="1200" dirty="0"/>
-              <a:t>5. Output:</a:t>
+              <a:t>5. </a:t>
+            </a:r>
+            <a:r>
+              <a:rPr lang="en-US" sz="1200" b="1" dirty="0"/>
+              <a:t>Output:</a:t>
             </a:r>
           </a:p>
           <a:p>
             <a:r>
               <a:rPr lang="en-US" sz="1200" dirty="0"/>
-              <a:t>- The program outputs email notifications when the specified keyword is found in the log file.</a:t>
+              <a:t> The Email notifications when the specified keyword is found in the log file.</a:t>
             </a:r>
           </a:p>
         </p:txBody>
@@ -24134,7 +24182,7 @@
           <a:lstStyle/>
           <a:p>
             <a:r>
-              <a:rPr lang="en-US" sz="4400" b="1" dirty="0" err="1">
+              <a:rPr lang="en-US" sz="4400" b="1" err="1">
                 <a:solidFill>
                   <a:schemeClr val="accent6"/>
                 </a:solidFill>
@@ -24145,6 +24193,17 @@
               <a:t>LogScanner</a:t>
             </a:r>
             <a:r>
+              <a:rPr lang="en-US" sz="4400" b="1">
+                <a:solidFill>
+                  <a:schemeClr val="accent6"/>
+                </a:solidFill>
+                <a:latin typeface="Arial Black" panose="020B0604020202020204" pitchFamily="34" charset="0"/>
+                <a:ea typeface="Arial Regular" pitchFamily="34" charset="-122"/>
+                <a:cs typeface="Arial Black" panose="020B0604020202020204" pitchFamily="34" charset="0"/>
+              </a:rPr>
+              <a:t>  </a:t>
+            </a:r>
+            <a:r>
               <a:rPr lang="en-US" sz="4400" b="1" dirty="0">
                 <a:solidFill>
                   <a:schemeClr val="accent6"/>
@@ -24153,7 +24212,7 @@
                 <a:ea typeface="Arial Regular" pitchFamily="34" charset="-122"/>
                 <a:cs typeface="Arial Black" panose="020B0604020202020204" pitchFamily="34" charset="0"/>
               </a:rPr>
-              <a:t> - Summary and Benefits</a:t>
+              <a:t>Summary and Benefits</a:t>
             </a:r>
             <a:endParaRPr lang="en-US" sz="4400" b="1" dirty="0">
               <a:solidFill>
@@ -24183,7 +24242,7 @@
         </p:nvSpPr>
         <p:spPr>
           <a:xfrm>
-            <a:off x="402336" y="1540657"/>
+            <a:off x="398165" y="1463655"/>
             <a:ext cx="5693664" cy="3122168"/>
           </a:xfrm>
         </p:spPr>
@@ -24193,13 +24252,21 @@
           <a:p>
             <a:r>
               <a:rPr lang="en-US" sz="1200" dirty="0"/>
-              <a:t>1. Mechanism:</a:t>
+              <a:t>1. </a:t>
             </a:r>
-          </a:p>
-          <a:p>
+            <a:r>
+              <a:rPr lang="en-US" sz="1200" b="1" dirty="0"/>
+              <a:t>Mechanism:</a:t>
+            </a:r>
+          </a:p>
+          <a:p>
+            <a:pPr marL="171450" indent="-171450">
+              <a:buFont typeface="Arial" panose="020B0604020202020204" pitchFamily="34" charset="0"/>
+              <a:buChar char="•"/>
+            </a:pPr>
             <a:r>
               <a:rPr lang="en-US" sz="1200" dirty="0"/>
-              <a:t>- The </a:t>
+              <a:t>The </a:t>
             </a:r>
             <a:r>
               <a:rPr lang="en-US" sz="1200" dirty="0" err="1"/>
@@ -24211,54 +24278,87 @@
             </a:r>
           </a:p>
           <a:p>
+            <a:pPr marL="171450" indent="-171450">
+              <a:buFont typeface="Arial" panose="020B0604020202020204" pitchFamily="34" charset="0"/>
+              <a:buChar char="•"/>
+            </a:pPr>
             <a:r>
               <a:rPr lang="en-US" sz="1200" dirty="0"/>
-              <a:t>- It utilizes file size and modification time checks to identify recent updates efficiently.</a:t>
+              <a:t> It utilizes file size and modification time of logs to identify recent updates efficiently.</a:t>
             </a:r>
           </a:p>
           <a:p>
+            <a:pPr marL="171450" indent="-171450">
+              <a:buFont typeface="Arial" panose="020B0604020202020204" pitchFamily="34" charset="0"/>
+              <a:buChar char="•"/>
+            </a:pPr>
             <a:r>
               <a:rPr lang="en-US" sz="1200" dirty="0"/>
-              <a:t>- The program reads the last portion of the log file and checks for specific keywords.</a:t>
+              <a:t> The program reads the last portion of the log file, only to avoid redundant check of whole log file,  for specific keywords.</a:t>
             </a:r>
           </a:p>
           <a:p>
-            <a:endParaRPr lang="en-US" sz="1200" dirty="0"/>
-          </a:p>
-          <a:p>
+            <a:r>
+              <a:rPr lang="en-US" sz="1200"/>
+              <a:t>2</a:t>
+            </a:r>
             <a:r>
               <a:rPr lang="en-US" sz="1200" dirty="0"/>
-              <a:t>2. Benefits:</a:t>
+              <a:t>. </a:t>
             </a:r>
-          </a:p>
-          <a:p>
+            <a:r>
+              <a:rPr lang="en-US" sz="1200" b="1" dirty="0"/>
+              <a:t>Benefits:</a:t>
+            </a:r>
+          </a:p>
+          <a:p>
+            <a:pPr marL="171450" indent="-171450">
+              <a:buFont typeface="Arial" panose="020B0604020202020204" pitchFamily="34" charset="0"/>
+              <a:buChar char="•"/>
+            </a:pPr>
             <a:r>
               <a:rPr lang="en-US" sz="1200" dirty="0"/>
-              <a:t>- Automates log file monitoring, reducing the need for manual checks.</a:t>
+              <a:t> Automates log file monitoring, reducing the need for manual checks.</a:t>
             </a:r>
           </a:p>
           <a:p>
+            <a:pPr marL="171450" indent="-171450">
+              <a:buFont typeface="Arial" panose="020B0604020202020204" pitchFamily="34" charset="0"/>
+              <a:buChar char="•"/>
+            </a:pPr>
             <a:r>
               <a:rPr lang="en-US" sz="1200" dirty="0"/>
-              <a:t>- Provides timely alerts by sending email notifications when errors or failures occur.</a:t>
+              <a:t> Provides timely alerts by sending email notifications when errors or failures occur.</a:t>
             </a:r>
           </a:p>
           <a:p>
+            <a:pPr marL="171450" indent="-171450">
+              <a:buFont typeface="Arial" panose="020B0604020202020204" pitchFamily="34" charset="0"/>
+              <a:buChar char="•"/>
+            </a:pPr>
             <a:r>
               <a:rPr lang="en-US" sz="1200" dirty="0"/>
-              <a:t>- Minimizes resource usage by reading only the necessary portion of the log file.</a:t>
+              <a:t> Minimizes resource usage by reading only the necessary content of the log file.</a:t>
             </a:r>
           </a:p>
           <a:p>
+            <a:pPr marL="171450" indent="-171450">
+              <a:buFont typeface="Arial" panose="020B0604020202020204" pitchFamily="34" charset="0"/>
+              <a:buChar char="•"/>
+            </a:pPr>
             <a:r>
               <a:rPr lang="en-US" sz="1200" dirty="0"/>
-              <a:t>- Offers flexibility through configuration options to suit various environments.</a:t>
+              <a:t> Offers flexibility through configuration options to suit various environments.</a:t>
             </a:r>
           </a:p>
           <a:p>
+            <a:pPr marL="171450" indent="-171450">
+              <a:buFont typeface="Arial" panose="020B0604020202020204" pitchFamily="34" charset="0"/>
+              <a:buChar char="•"/>
+            </a:pPr>
             <a:r>
               <a:rPr lang="en-US" sz="1200" dirty="0"/>
-              <a:t>- Enhances modularity, making it easy to integrate the </a:t>
+              <a:t> Enhances modularity, making it easy to integrate the </a:t>
             </a:r>
             <a:r>
               <a:rPr lang="en-US" sz="1200" dirty="0" err="1"/>
@@ -24270,30 +24370,39 @@
             </a:r>
           </a:p>
           <a:p>
-            <a:endParaRPr lang="en-US" sz="1200" dirty="0"/>
-          </a:p>
-          <a:p>
+            <a:r>
+              <a:rPr lang="en-US" sz="1200" b="1" dirty="0"/>
+              <a:t>3. Use Cases:</a:t>
+            </a:r>
+          </a:p>
+          <a:p>
+            <a:pPr marL="171450" indent="-171450">
+              <a:buFont typeface="Arial" panose="020B0604020202020204" pitchFamily="34" charset="0"/>
+              <a:buChar char="•"/>
+            </a:pPr>
             <a:r>
               <a:rPr lang="en-US" sz="1200" dirty="0"/>
-              <a:t>3. Use Cases:</a:t>
+              <a:t> Log file monitoring in production environments.</a:t>
             </a:r>
           </a:p>
           <a:p>
+            <a:pPr marL="171450" indent="-171450">
+              <a:buFont typeface="Arial" panose="020B0604020202020204" pitchFamily="34" charset="0"/>
+              <a:buChar char="•"/>
+            </a:pPr>
             <a:r>
               <a:rPr lang="en-US" sz="1200" dirty="0"/>
-              <a:t>- Log file monitoring in production environments.</a:t>
+              <a:t> Error tracking and notification in critical systems.</a:t>
             </a:r>
           </a:p>
           <a:p>
+            <a:pPr marL="171450" indent="-171450">
+              <a:buFont typeface="Arial" panose="020B0604020202020204" pitchFamily="34" charset="0"/>
+              <a:buChar char="•"/>
+            </a:pPr>
             <a:r>
               <a:rPr lang="en-US" sz="1200" dirty="0"/>
-              <a:t>- Error tracking and notification in critical systems.</a:t>
-            </a:r>
-          </a:p>
-          <a:p>
-            <a:r>
-              <a:rPr lang="en-US" sz="1200" dirty="0"/>
-              <a:t>- Enhancing proactive system maintenance and debugging processes.</a:t>
+              <a:t> Enhancing proactive system maintenance and debugging processes.</a:t>
             </a:r>
           </a:p>
         </p:txBody>
@@ -24314,7 +24423,7 @@
         </p:nvSpPr>
         <p:spPr>
           <a:xfrm>
-            <a:off x="6248400" y="1539668"/>
+            <a:off x="6248400" y="1222034"/>
             <a:ext cx="5693664" cy="3122168"/>
           </a:xfrm>
           <a:prstGeom prst="rect">
@@ -24492,13 +24601,17 @@
           <a:p>
             <a:r>
               <a:rPr lang="en-US" sz="1200" dirty="0"/>
-              <a:t>4. Conclusion:</a:t>
+              <a:t>4. </a:t>
+            </a:r>
+            <a:r>
+              <a:rPr lang="en-US" sz="1200" b="1" dirty="0"/>
+              <a:t>Conclusion:</a:t>
             </a:r>
           </a:p>
           <a:p>
             <a:r>
               <a:rPr lang="en-US" sz="1200" dirty="0"/>
-              <a:t>- The </a:t>
+              <a:t> The </a:t>
             </a:r>
             <a:r>
               <a:rPr lang="en-US" sz="1200" dirty="0" err="1"/>
@@ -24512,7 +24625,7 @@
           <a:p>
             <a:r>
               <a:rPr lang="en-US" sz="1200" dirty="0"/>
-              <a:t>- It enables prompt response to critical events, reducing downtime and enhancing system reliability.</a:t>
+              <a:t> It enables prompt response to critical events, reducing downtime and enhancing system reliability.</a:t>
             </a:r>
           </a:p>
           <a:p>
@@ -24521,13 +24634,21 @@
           <a:p>
             <a:r>
               <a:rPr lang="en-US" sz="1200" dirty="0"/>
-              <a:t>5. Next Steps:</a:t>
+              <a:t>5</a:t>
             </a:r>
-          </a:p>
-          <a:p>
+            <a:r>
+              <a:rPr lang="en-US" sz="1200" b="1" dirty="0"/>
+              <a:t>. Next Steps:</a:t>
+            </a:r>
+          </a:p>
+          <a:p>
+            <a:pPr marL="171450" indent="-171450">
+              <a:buFont typeface="Arial" panose="020B0604020202020204" pitchFamily="34" charset="0"/>
+              <a:buChar char="•"/>
+            </a:pPr>
             <a:r>
               <a:rPr lang="en-US" sz="1200" dirty="0"/>
-              <a:t>- Consider integrating the </a:t>
+              <a:t> Consider integrating the </a:t>
             </a:r>
             <a:r>
               <a:rPr lang="en-US" sz="1200" dirty="0" err="1"/>
@@ -24539,15 +24660,23 @@
             </a:r>
           </a:p>
           <a:p>
+            <a:pPr marL="171450" indent="-171450">
+              <a:buFont typeface="Arial" panose="020B0604020202020204" pitchFamily="34" charset="0"/>
+              <a:buChar char="•"/>
+            </a:pPr>
             <a:r>
               <a:rPr lang="en-US" sz="1200" dirty="0"/>
-              <a:t>- Customize the configuration parameters to meet your specific requirements.</a:t>
+              <a:t> Customize the configuration parameters to meet your specific requirements.</a:t>
             </a:r>
           </a:p>
           <a:p>
+            <a:pPr marL="171450" indent="-171450">
+              <a:buFont typeface="Arial" panose="020B0604020202020204" pitchFamily="34" charset="0"/>
+              <a:buChar char="•"/>
+            </a:pPr>
             <a:r>
               <a:rPr lang="en-US" sz="1200" dirty="0"/>
-              <a:t>- Explore further enhancements such as advanced keyword matching or integration with log analysis tools.- Enhances modularity, making it easy to integrate the</a:t>
+              <a:t> Explore further enhancements such as advanced keyword matching or integration with log analysis tools.</a:t>
             </a:r>
           </a:p>
         </p:txBody>
